--- a/pert10/Pertemuan 10.pptx
+++ b/pert10/Pertemuan 10.pptx
@@ -270,7 +270,7 @@
           <a:p>
             <a:fld id="{3641C763-F277-45EA-90C1-C65BC0F40F56}" type="datetimeFigureOut">
               <a:rPr lang="en-US" smtClean="0"/>
-              <a:t>12/7/2023</a:t>
+              <a:t>12/12/2023</a:t>
             </a:fld>
             <a:endParaRPr lang="en-US"/>
           </a:p>
@@ -468,7 +468,7 @@
           <a:p>
             <a:fld id="{3641C763-F277-45EA-90C1-C65BC0F40F56}" type="datetimeFigureOut">
               <a:rPr lang="en-US" smtClean="0"/>
-              <a:t>12/7/2023</a:t>
+              <a:t>12/12/2023</a:t>
             </a:fld>
             <a:endParaRPr lang="en-US"/>
           </a:p>
@@ -676,7 +676,7 @@
           <a:p>
             <a:fld id="{3641C763-F277-45EA-90C1-C65BC0F40F56}" type="datetimeFigureOut">
               <a:rPr lang="en-US" smtClean="0"/>
-              <a:t>12/7/2023</a:t>
+              <a:t>12/12/2023</a:t>
             </a:fld>
             <a:endParaRPr lang="en-US"/>
           </a:p>
@@ -874,7 +874,7 @@
           <a:p>
             <a:fld id="{3641C763-F277-45EA-90C1-C65BC0F40F56}" type="datetimeFigureOut">
               <a:rPr lang="en-US" smtClean="0"/>
-              <a:t>12/7/2023</a:t>
+              <a:t>12/12/2023</a:t>
             </a:fld>
             <a:endParaRPr lang="en-US"/>
           </a:p>
@@ -1149,7 +1149,7 @@
           <a:p>
             <a:fld id="{3641C763-F277-45EA-90C1-C65BC0F40F56}" type="datetimeFigureOut">
               <a:rPr lang="en-US" smtClean="0"/>
-              <a:t>12/7/2023</a:t>
+              <a:t>12/12/2023</a:t>
             </a:fld>
             <a:endParaRPr lang="en-US"/>
           </a:p>
@@ -1414,7 +1414,7 @@
           <a:p>
             <a:fld id="{3641C763-F277-45EA-90C1-C65BC0F40F56}" type="datetimeFigureOut">
               <a:rPr lang="en-US" smtClean="0"/>
-              <a:t>12/7/2023</a:t>
+              <a:t>12/12/2023</a:t>
             </a:fld>
             <a:endParaRPr lang="en-US"/>
           </a:p>
@@ -1826,7 +1826,7 @@
           <a:p>
             <a:fld id="{3641C763-F277-45EA-90C1-C65BC0F40F56}" type="datetimeFigureOut">
               <a:rPr lang="en-US" smtClean="0"/>
-              <a:t>12/7/2023</a:t>
+              <a:t>12/12/2023</a:t>
             </a:fld>
             <a:endParaRPr lang="en-US"/>
           </a:p>
@@ -1967,7 +1967,7 @@
           <a:p>
             <a:fld id="{3641C763-F277-45EA-90C1-C65BC0F40F56}" type="datetimeFigureOut">
               <a:rPr lang="en-US" smtClean="0"/>
-              <a:t>12/7/2023</a:t>
+              <a:t>12/12/2023</a:t>
             </a:fld>
             <a:endParaRPr lang="en-US"/>
           </a:p>
@@ -2080,7 +2080,7 @@
           <a:p>
             <a:fld id="{3641C763-F277-45EA-90C1-C65BC0F40F56}" type="datetimeFigureOut">
               <a:rPr lang="en-US" smtClean="0"/>
-              <a:t>12/7/2023</a:t>
+              <a:t>12/12/2023</a:t>
             </a:fld>
             <a:endParaRPr lang="en-US"/>
           </a:p>
@@ -2391,7 +2391,7 @@
           <a:p>
             <a:fld id="{3641C763-F277-45EA-90C1-C65BC0F40F56}" type="datetimeFigureOut">
               <a:rPr lang="en-US" smtClean="0"/>
-              <a:t>12/7/2023</a:t>
+              <a:t>12/12/2023</a:t>
             </a:fld>
             <a:endParaRPr lang="en-US"/>
           </a:p>
@@ -2679,7 +2679,7 @@
           <a:p>
             <a:fld id="{3641C763-F277-45EA-90C1-C65BC0F40F56}" type="datetimeFigureOut">
               <a:rPr lang="en-US" smtClean="0"/>
-              <a:t>12/7/2023</a:t>
+              <a:t>12/12/2023</a:t>
             </a:fld>
             <a:endParaRPr lang="en-US"/>
           </a:p>
@@ -2920,7 +2920,7 @@
           <a:p>
             <a:fld id="{3641C763-F277-45EA-90C1-C65BC0F40F56}" type="datetimeFigureOut">
               <a:rPr lang="en-US" smtClean="0"/>
-              <a:t>12/7/2023</a:t>
+              <a:t>12/12/2023</a:t>
             </a:fld>
             <a:endParaRPr lang="en-US"/>
           </a:p>
@@ -27254,8 +27254,8 @@
           <a:chExt cx="0" cy="0"/>
         </a:xfrm>
       </p:grpSpPr>
-      <mc:AlternateContent xmlns:mc="http://schemas.openxmlformats.org/markup-compatibility/2006" xmlns:a14="http://schemas.microsoft.com/office/drawing/2010/main">
-        <mc:Choice Requires="a14">
+      <mc:AlternateContent xmlns:mc="http://schemas.openxmlformats.org/markup-compatibility/2006">
+        <mc:Choice xmlns:a14="http://schemas.microsoft.com/office/drawing/2010/main" Requires="a14">
           <p:sp>
             <p:nvSpPr>
               <p:cNvPr id="2" name="TextBox 1">
@@ -27292,17 +27292,20 @@
                     </m:oMathParaPr>
                     <m:oMath xmlns:m="http://schemas.openxmlformats.org/officeDocument/2006/math">
                       <m:r>
-                        <a:rPr lang="en-US" sz="2000" i="1" smtClean="0">
+                        <a:rPr lang="en-US" sz="2000" b="1" i="1" smtClean="0">
+                          <a:solidFill>
+                            <a:schemeClr val="tx1"/>
+                          </a:solidFill>
                           <a:latin typeface="Cambria Math" panose="02040503050406030204" pitchFamily="18" charset="0"/>
                         </a:rPr>
-                        <m:t>𝑃</m:t>
+                        <m:t>𝑷</m:t>
                       </m:r>
                       <m:d>
                         <m:dPr>
                           <m:ctrlPr>
-                            <a:rPr lang="en-US" sz="2000" i="1">
+                            <a:rPr lang="en-US" sz="2000" b="1" i="1">
                               <a:solidFill>
-                                <a:srgbClr val="836967"/>
+                                <a:schemeClr val="tx1"/>
                               </a:solidFill>
                               <a:latin typeface="Cambria Math" panose="02040503050406030204" pitchFamily="18" charset="0"/>
                             </a:rPr>
@@ -27310,36 +27313,39 @@
                         </m:dPr>
                         <m:e>
                           <m:r>
-                            <a:rPr lang="en-US" sz="2000" b="0" i="1" smtClean="0">
+                            <a:rPr lang="en-US" sz="2000" b="1" i="1" smtClean="0">
                               <a:solidFill>
-                                <a:srgbClr val="836967"/>
+                                <a:schemeClr val="tx1"/>
                               </a:solidFill>
                               <a:latin typeface="Cambria Math" panose="02040503050406030204" pitchFamily="18" charset="0"/>
                             </a:rPr>
-                            <m:t>𝐴</m:t>
+                            <m:t>𝑨</m:t>
                           </m:r>
                           <m:r>
-                            <a:rPr lang="en-US" sz="2000" b="0" i="1" smtClean="0">
+                            <a:rPr lang="en-US" sz="2000" b="1" i="1" smtClean="0">
                               <a:solidFill>
-                                <a:srgbClr val="836967"/>
+                                <a:schemeClr val="tx1"/>
                               </a:solidFill>
                               <a:latin typeface="Cambria Math" panose="02040503050406030204" pitchFamily="18" charset="0"/>
                             </a:rPr>
                             <m:t>|</m:t>
                           </m:r>
                           <m:r>
-                            <a:rPr lang="en-US" sz="2000" b="0" i="1" smtClean="0">
+                            <a:rPr lang="en-US" sz="2000" b="1" i="1" smtClean="0">
                               <a:solidFill>
-                                <a:srgbClr val="836967"/>
+                                <a:schemeClr val="tx1"/>
                               </a:solidFill>
                               <a:latin typeface="Cambria Math" panose="02040503050406030204" pitchFamily="18" charset="0"/>
                             </a:rPr>
-                            <m:t>𝐵</m:t>
+                            <m:t>𝑩</m:t>
                           </m:r>
                         </m:e>
                       </m:d>
                       <m:r>
-                        <a:rPr lang="en-US" sz="2000" i="0">
+                        <a:rPr lang="en-US" sz="2000" b="1" i="0">
+                          <a:solidFill>
+                            <a:schemeClr val="tx1"/>
+                          </a:solidFill>
                           <a:latin typeface="Cambria Math" panose="02040503050406030204" pitchFamily="18" charset="0"/>
                         </a:rPr>
                         <m:t>= </m:t>
@@ -27347,9 +27353,9 @@
                       <m:f>
                         <m:fPr>
                           <m:ctrlPr>
-                            <a:rPr lang="en-US" sz="2000" i="1">
+                            <a:rPr lang="en-US" sz="2000" b="1" i="1">
                               <a:solidFill>
-                                <a:srgbClr val="836967"/>
+                                <a:schemeClr val="tx1"/>
                               </a:solidFill>
                               <a:latin typeface="Cambria Math" panose="02040503050406030204" pitchFamily="18" charset="0"/>
                             </a:rPr>
@@ -27357,20 +27363,20 @@
                         </m:fPr>
                         <m:num>
                           <m:r>
-                            <a:rPr lang="en-US" sz="2000" b="0" i="1" smtClean="0">
+                            <a:rPr lang="en-US" sz="2000" b="1" i="1" smtClean="0">
                               <a:solidFill>
-                                <a:srgbClr val="836967"/>
+                                <a:schemeClr val="tx1"/>
                               </a:solidFill>
                               <a:latin typeface="Cambria Math" panose="02040503050406030204" pitchFamily="18" charset="0"/>
                             </a:rPr>
-                            <m:t>𝑃</m:t>
+                            <m:t>𝑷</m:t>
                           </m:r>
                           <m:d>
                             <m:dPr>
                               <m:ctrlPr>
-                                <a:rPr lang="en-US" sz="2000" b="0" i="1" smtClean="0">
+                                <a:rPr lang="en-US" sz="2000" b="1" i="1" smtClean="0">
                                   <a:solidFill>
-                                    <a:srgbClr val="836967"/>
+                                    <a:schemeClr val="tx1"/>
                                   </a:solidFill>
                                   <a:latin typeface="Cambria Math" panose="02040503050406030204" pitchFamily="18" charset="0"/>
                                 </a:rPr>
@@ -27378,67 +27384,67 @@
                             </m:dPr>
                             <m:e>
                               <m:r>
-                                <a:rPr lang="en-US" sz="2000" b="0" i="1" smtClean="0">
+                                <a:rPr lang="en-US" sz="2000" b="1" i="1" smtClean="0">
                                   <a:solidFill>
-                                    <a:srgbClr val="836967"/>
+                                    <a:schemeClr val="tx1"/>
                                   </a:solidFill>
                                   <a:latin typeface="Cambria Math" panose="02040503050406030204" pitchFamily="18" charset="0"/>
                                 </a:rPr>
-                                <m:t>𝐵</m:t>
+                                <m:t>𝑩</m:t>
                               </m:r>
                             </m:e>
                             <m:e>
                               <m:r>
-                                <a:rPr lang="en-US" sz="2000" b="0" i="1" smtClean="0">
+                                <a:rPr lang="en-US" sz="2000" b="1" i="1" smtClean="0">
                                   <a:solidFill>
-                                    <a:srgbClr val="836967"/>
+                                    <a:schemeClr val="tx1"/>
                                   </a:solidFill>
                                   <a:latin typeface="Cambria Math" panose="02040503050406030204" pitchFamily="18" charset="0"/>
                                 </a:rPr>
-                                <m:t>𝐴</m:t>
+                                <m:t>𝑨</m:t>
                               </m:r>
                             </m:e>
                           </m:d>
                           <m:r>
-                            <a:rPr lang="en-US" sz="2000" b="0" i="1" smtClean="0">
+                            <a:rPr lang="en-US" sz="2000" b="1" i="1" smtClean="0">
                               <a:solidFill>
-                                <a:srgbClr val="836967"/>
+                                <a:schemeClr val="tx1"/>
                               </a:solidFill>
                               <a:latin typeface="Cambria Math" panose="02040503050406030204" pitchFamily="18" charset="0"/>
                             </a:rPr>
                             <m:t> ∗</m:t>
                           </m:r>
                           <m:r>
-                            <a:rPr lang="en-US" sz="2000" b="0" i="1" smtClean="0">
+                            <a:rPr lang="en-US" sz="2000" b="1" i="1" smtClean="0">
                               <a:solidFill>
-                                <a:srgbClr val="836967"/>
+                                <a:schemeClr val="tx1"/>
                               </a:solidFill>
                               <a:latin typeface="Cambria Math" panose="02040503050406030204" pitchFamily="18" charset="0"/>
                             </a:rPr>
-                            <m:t>𝑃</m:t>
+                            <m:t>𝑷</m:t>
                           </m:r>
                           <m:r>
-                            <a:rPr lang="en-US" sz="2000" b="0" i="1" smtClean="0">
+                            <a:rPr lang="en-US" sz="2000" b="1" i="1" smtClean="0">
                               <a:solidFill>
-                                <a:srgbClr val="836967"/>
+                                <a:schemeClr val="tx1"/>
                               </a:solidFill>
                               <a:latin typeface="Cambria Math" panose="02040503050406030204" pitchFamily="18" charset="0"/>
                             </a:rPr>
                             <m:t>(</m:t>
                           </m:r>
                           <m:r>
-                            <a:rPr lang="en-US" sz="2000" b="0" i="1" smtClean="0">
+                            <a:rPr lang="en-US" sz="2000" b="1" i="1" smtClean="0">
                               <a:solidFill>
-                                <a:srgbClr val="836967"/>
+                                <a:schemeClr val="tx1"/>
                               </a:solidFill>
                               <a:latin typeface="Cambria Math" panose="02040503050406030204" pitchFamily="18" charset="0"/>
                             </a:rPr>
-                            <m:t>𝐴</m:t>
+                            <m:t>𝑨</m:t>
                           </m:r>
                           <m:r>
-                            <a:rPr lang="en-US" sz="2000" b="0" i="1" smtClean="0">
+                            <a:rPr lang="en-US" sz="2000" b="1" i="1" smtClean="0">
                               <a:solidFill>
-                                <a:srgbClr val="836967"/>
+                                <a:schemeClr val="tx1"/>
                               </a:solidFill>
                               <a:latin typeface="Cambria Math" panose="02040503050406030204" pitchFamily="18" charset="0"/>
                             </a:rPr>
@@ -27447,25 +27453,37 @@
                         </m:num>
                         <m:den>
                           <m:r>
-                            <a:rPr lang="en-US" sz="2000" b="0" i="1" smtClean="0">
+                            <a:rPr lang="en-US" sz="2000" b="1" i="1" smtClean="0">
+                              <a:solidFill>
+                                <a:schemeClr val="tx1"/>
+                              </a:solidFill>
                               <a:latin typeface="Cambria Math" panose="02040503050406030204" pitchFamily="18" charset="0"/>
                             </a:rPr>
-                            <m:t>𝑃</m:t>
+                            <m:t>𝑷</m:t>
                           </m:r>
                           <m:r>
-                            <a:rPr lang="en-US" sz="2000" b="0" i="1" smtClean="0">
+                            <a:rPr lang="en-US" sz="2000" b="1" i="1" smtClean="0">
+                              <a:solidFill>
+                                <a:schemeClr val="tx1"/>
+                              </a:solidFill>
                               <a:latin typeface="Cambria Math" panose="02040503050406030204" pitchFamily="18" charset="0"/>
                             </a:rPr>
                             <m:t>(</m:t>
                           </m:r>
                           <m:r>
-                            <a:rPr lang="en-US" sz="2000" b="0" i="1" smtClean="0">
+                            <a:rPr lang="en-US" sz="2000" b="1" i="1" smtClean="0">
+                              <a:solidFill>
+                                <a:schemeClr val="tx1"/>
+                              </a:solidFill>
                               <a:latin typeface="Cambria Math" panose="02040503050406030204" pitchFamily="18" charset="0"/>
                             </a:rPr>
-                            <m:t>𝐵</m:t>
+                            <m:t>𝑩</m:t>
                           </m:r>
                           <m:r>
-                            <a:rPr lang="en-US" sz="2000" b="0" i="1" smtClean="0">
+                            <a:rPr lang="en-US" sz="2000" b="1" i="1" smtClean="0">
+                              <a:solidFill>
+                                <a:schemeClr val="tx1"/>
+                              </a:solidFill>
                               <a:latin typeface="Cambria Math" panose="02040503050406030204" pitchFamily="18" charset="0"/>
                             </a:rPr>
                             <m:t>)</m:t>
@@ -27475,12 +27493,16 @@
                     </m:oMath>
                   </m:oMathPara>
                 </a14:m>
-                <a:endParaRPr lang="en-US" sz="2000" dirty="0"/>
+                <a:endParaRPr lang="en-US" sz="2000" b="1" dirty="0">
+                  <a:solidFill>
+                    <a:schemeClr val="tx1"/>
+                  </a:solidFill>
+                </a:endParaRPr>
               </a:p>
             </p:txBody>
           </p:sp>
         </mc:Choice>
-        <mc:Fallback xmlns="">
+        <mc:Fallback>
           <p:sp>
             <p:nvSpPr>
               <p:cNvPr id="2" name="TextBox 1">
@@ -27515,7 +27537,7 @@
               <a:lstStyle/>
               <a:p>
                 <a:r>
-                  <a:rPr lang="en-US">
+                  <a:rPr lang="en-ID">
                     <a:noFill/>
                   </a:rPr>
                   <a:t> </a:t>
@@ -29280,7 +29302,7 @@
         </p:nvCxnSpPr>
         <p:spPr>
           <a:xfrm>
-            <a:off x="4128940" y="857839"/>
+            <a:off x="4195615" y="857839"/>
             <a:ext cx="546755" cy="0"/>
           </a:xfrm>
           <a:prstGeom prst="straightConnector1">
